--- a/Ejercicio de prototipado y comparación de webs.pptx
+++ b/Ejercicio de prototipado y comparación de webs.pptx
@@ -114,6 +114,11 @@
       </a:defRPr>
     </a:lvl9pPr>
   </p:defaultTextStyle>
+  <p:extLst>
+    <p:ext uri="{EFAFB233-063F-42B5-8137-9DF3F51BA10A}">
+      <p15:sldGuideLst xmlns:p15="http://schemas.microsoft.com/office/powerpoint/2012/main"/>
+    </p:ext>
+  </p:extLst>
 </p:presentation>
 </file>
 
@@ -303,7 +308,7 @@
           <a:p>
             <a:fld id="{10BD1069-08E6-4FE7-AE99-4C0919D642AB}" type="datetimeFigureOut">
               <a:rPr lang="es-ES" smtClean="0"/>
-              <a:t>22/09/2021</a:t>
+              <a:t>28/09/2021</a:t>
             </a:fld>
             <a:endParaRPr lang="es-ES"/>
           </a:p>
@@ -578,7 +583,7 @@
           <a:p>
             <a:fld id="{10BD1069-08E6-4FE7-AE99-4C0919D642AB}" type="datetimeFigureOut">
               <a:rPr lang="es-ES" smtClean="0"/>
-              <a:t>22/09/2021</a:t>
+              <a:t>28/09/2021</a:t>
             </a:fld>
             <a:endParaRPr lang="es-ES"/>
           </a:p>
@@ -772,7 +777,7 @@
           <a:p>
             <a:fld id="{10BD1069-08E6-4FE7-AE99-4C0919D642AB}" type="datetimeFigureOut">
               <a:rPr lang="es-ES" smtClean="0"/>
-              <a:t>22/09/2021</a:t>
+              <a:t>28/09/2021</a:t>
             </a:fld>
             <a:endParaRPr lang="es-ES"/>
           </a:p>
@@ -1045,7 +1050,7 @@
           <a:p>
             <a:fld id="{10BD1069-08E6-4FE7-AE99-4C0919D642AB}" type="datetimeFigureOut">
               <a:rPr lang="es-ES" smtClean="0"/>
-              <a:t>22/09/2021</a:t>
+              <a:t>28/09/2021</a:t>
             </a:fld>
             <a:endParaRPr lang="es-ES"/>
           </a:p>
@@ -1386,7 +1391,7 @@
           <a:p>
             <a:fld id="{10BD1069-08E6-4FE7-AE99-4C0919D642AB}" type="datetimeFigureOut">
               <a:rPr lang="es-ES" smtClean="0"/>
-              <a:t>22/09/2021</a:t>
+              <a:t>28/09/2021</a:t>
             </a:fld>
             <a:endParaRPr lang="es-ES"/>
           </a:p>
@@ -2009,7 +2014,7 @@
           <a:p>
             <a:fld id="{10BD1069-08E6-4FE7-AE99-4C0919D642AB}" type="datetimeFigureOut">
               <a:rPr lang="es-ES" smtClean="0"/>
-              <a:t>22/09/2021</a:t>
+              <a:t>28/09/2021</a:t>
             </a:fld>
             <a:endParaRPr lang="es-ES"/>
           </a:p>
@@ -2869,7 +2874,7 @@
           <a:p>
             <a:fld id="{10BD1069-08E6-4FE7-AE99-4C0919D642AB}" type="datetimeFigureOut">
               <a:rPr lang="es-ES" smtClean="0"/>
-              <a:t>22/09/2021</a:t>
+              <a:t>28/09/2021</a:t>
             </a:fld>
             <a:endParaRPr lang="es-ES"/>
           </a:p>
@@ -3039,7 +3044,7 @@
           <a:p>
             <a:fld id="{10BD1069-08E6-4FE7-AE99-4C0919D642AB}" type="datetimeFigureOut">
               <a:rPr lang="es-ES" smtClean="0"/>
-              <a:t>22/09/2021</a:t>
+              <a:t>28/09/2021</a:t>
             </a:fld>
             <a:endParaRPr lang="es-ES"/>
           </a:p>
@@ -3219,7 +3224,7 @@
           <a:p>
             <a:fld id="{10BD1069-08E6-4FE7-AE99-4C0919D642AB}" type="datetimeFigureOut">
               <a:rPr lang="es-ES" smtClean="0"/>
-              <a:t>22/09/2021</a:t>
+              <a:t>28/09/2021</a:t>
             </a:fld>
             <a:endParaRPr lang="es-ES"/>
           </a:p>
@@ -3389,7 +3394,7 @@
           <a:p>
             <a:fld id="{10BD1069-08E6-4FE7-AE99-4C0919D642AB}" type="datetimeFigureOut">
               <a:rPr lang="es-ES" smtClean="0"/>
-              <a:t>22/09/2021</a:t>
+              <a:t>28/09/2021</a:t>
             </a:fld>
             <a:endParaRPr lang="es-ES"/>
           </a:p>
@@ -3636,7 +3641,7 @@
           <a:p>
             <a:fld id="{10BD1069-08E6-4FE7-AE99-4C0919D642AB}" type="datetimeFigureOut">
               <a:rPr lang="es-ES" smtClean="0"/>
-              <a:t>22/09/2021</a:t>
+              <a:t>28/09/2021</a:t>
             </a:fld>
             <a:endParaRPr lang="es-ES"/>
           </a:p>
@@ -3928,7 +3933,7 @@
           <a:p>
             <a:fld id="{10BD1069-08E6-4FE7-AE99-4C0919D642AB}" type="datetimeFigureOut">
               <a:rPr lang="es-ES" smtClean="0"/>
-              <a:t>22/09/2021</a:t>
+              <a:t>28/09/2021</a:t>
             </a:fld>
             <a:endParaRPr lang="es-ES"/>
           </a:p>
@@ -4372,7 +4377,7 @@
           <a:p>
             <a:fld id="{10BD1069-08E6-4FE7-AE99-4C0919D642AB}" type="datetimeFigureOut">
               <a:rPr lang="es-ES" smtClean="0"/>
-              <a:t>22/09/2021</a:t>
+              <a:t>28/09/2021</a:t>
             </a:fld>
             <a:endParaRPr lang="es-ES"/>
           </a:p>
@@ -4490,7 +4495,7 @@
           <a:p>
             <a:fld id="{10BD1069-08E6-4FE7-AE99-4C0919D642AB}" type="datetimeFigureOut">
               <a:rPr lang="es-ES" smtClean="0"/>
-              <a:t>22/09/2021</a:t>
+              <a:t>28/09/2021</a:t>
             </a:fld>
             <a:endParaRPr lang="es-ES"/>
           </a:p>
@@ -4585,7 +4590,7 @@
           <a:p>
             <a:fld id="{10BD1069-08E6-4FE7-AE99-4C0919D642AB}" type="datetimeFigureOut">
               <a:rPr lang="es-ES" smtClean="0"/>
-              <a:t>22/09/2021</a:t>
+              <a:t>28/09/2021</a:t>
             </a:fld>
             <a:endParaRPr lang="es-ES"/>
           </a:p>
@@ -4864,7 +4869,7 @@
           <a:p>
             <a:fld id="{10BD1069-08E6-4FE7-AE99-4C0919D642AB}" type="datetimeFigureOut">
               <a:rPr lang="es-ES" smtClean="0"/>
-              <a:t>22/09/2021</a:t>
+              <a:t>28/09/2021</a:t>
             </a:fld>
             <a:endParaRPr lang="es-ES"/>
           </a:p>
@@ -5139,7 +5144,7 @@
           <a:p>
             <a:fld id="{10BD1069-08E6-4FE7-AE99-4C0919D642AB}" type="datetimeFigureOut">
               <a:rPr lang="es-ES" smtClean="0"/>
-              <a:t>22/09/2021</a:t>
+              <a:t>28/09/2021</a:t>
             </a:fld>
             <a:endParaRPr lang="es-ES"/>
           </a:p>
@@ -5568,7 +5573,7 @@
           <a:p>
             <a:fld id="{10BD1069-08E6-4FE7-AE99-4C0919D642AB}" type="datetimeFigureOut">
               <a:rPr lang="es-ES" smtClean="0"/>
-              <a:t>22/09/2021</a:t>
+              <a:t>28/09/2021</a:t>
             </a:fld>
             <a:endParaRPr lang="es-ES"/>
           </a:p>
@@ -6972,7 +6977,9 @@
         </p:nvSpPr>
         <p:spPr/>
         <p:txBody>
-          <a:bodyPr/>
+          <a:bodyPr>
+            <a:normAutofit fontScale="92500" lnSpcReduction="20000"/>
+          </a:bodyPr>
           <a:lstStyle/>
           <a:p>
             <a:r>
@@ -6982,6 +6989,15 @@
             <a:r>
               <a:rPr lang="es-ES" dirty="0"/>
               <a:t>:</a:t>
+            </a:r>
+          </a:p>
+          <a:p>
+            <a:pPr marL="457200" lvl="1" indent="0">
+              <a:buNone/>
+            </a:pPr>
+            <a:r>
+              <a:rPr lang="es-ES" dirty="0"/>
+              <a:t>https://disfrutaverdura.com</a:t>
             </a:r>
           </a:p>
           <a:p>
@@ -7005,6 +7021,15 @@
             </a:r>
           </a:p>
           <a:p>
+            <a:pPr marL="0" indent="0">
+              <a:buNone/>
+            </a:pPr>
+            <a:r>
+              <a:rPr lang="es-ES" dirty="0"/>
+              <a:t>	https://www.agroboca.com</a:t>
+            </a:r>
+          </a:p>
+          <a:p>
             <a:pPr lvl="1">
               <a:buFont typeface="Wingdings" panose="05000000000000000000" pitchFamily="2" charset="2"/>
               <a:buChar char="v"/>
@@ -7022,6 +7047,15 @@
             <a:r>
               <a:rPr lang="es-ES" dirty="0"/>
               <a:t>:</a:t>
+            </a:r>
+          </a:p>
+          <a:p>
+            <a:pPr marL="0" indent="0">
+              <a:buNone/>
+            </a:pPr>
+            <a:r>
+              <a:rPr lang="es-ES" dirty="0"/>
+              <a:t>		https://www.verdurasdenavarra.com</a:t>
             </a:r>
           </a:p>
           <a:p>
@@ -7112,7 +7146,9 @@
         </p:nvSpPr>
         <p:spPr/>
         <p:txBody>
-          <a:bodyPr/>
+          <a:bodyPr>
+            <a:normAutofit fontScale="85000" lnSpcReduction="10000"/>
+          </a:bodyPr>
           <a:lstStyle/>
           <a:p>
             <a:r>
@@ -7122,6 +7158,15 @@
             <a:r>
               <a:rPr lang="es-ES" dirty="0"/>
               <a:t>:</a:t>
+            </a:r>
+          </a:p>
+          <a:p>
+            <a:pPr marL="0" indent="0">
+              <a:buNone/>
+            </a:pPr>
+            <a:r>
+              <a:rPr lang="es-ES" dirty="0"/>
+              <a:t>		https://disfrutaverdura.com/es/frutas-y-verduras/cestas-pequenas.html</a:t>
             </a:r>
           </a:p>
           <a:p>
@@ -7145,6 +7190,15 @@
             </a:r>
           </a:p>
           <a:p>
+            <a:pPr marL="0" indent="0">
+              <a:buNone/>
+            </a:pPr>
+            <a:r>
+              <a:rPr lang="es-ES" dirty="0"/>
+              <a:t>		https://www.agroboca.com/comprar</a:t>
+            </a:r>
+          </a:p>
+          <a:p>
             <a:pPr lvl="1">
               <a:buFont typeface="Wingdings" panose="05000000000000000000" pitchFamily="2" charset="2"/>
               <a:buChar char="v"/>
@@ -7160,6 +7214,15 @@
               <a:t>Verdurasnavarra</a:t>
             </a:r>
             <a:endParaRPr lang="es-ES" dirty="0"/>
+          </a:p>
+          <a:p>
+            <a:pPr marL="0" indent="0">
+              <a:buNone/>
+            </a:pPr>
+            <a:r>
+              <a:rPr lang="es-ES" dirty="0"/>
+              <a:t>		https://www.verdurasdenavarra.com/tienda/verdura/</a:t>
+            </a:r>
           </a:p>
           <a:p>
             <a:pPr lvl="1">
@@ -7262,6 +7325,18 @@
             </a:r>
           </a:p>
           <a:p>
+            <a:pPr marL="0" indent="0">
+              <a:buNone/>
+            </a:pPr>
+            <a:r>
+              <a:rPr lang="es-ES" dirty="0">
+                <a:hlinkClick r:id="rId2"/>
+              </a:rPr>
+              <a:t>		Registro</a:t>
+            </a:r>
+            <a:endParaRPr lang="es-ES" dirty="0"/>
+          </a:p>
+          <a:p>
             <a:pPr lvl="1">
               <a:buFont typeface="Wingdings" panose="05000000000000000000" pitchFamily="2" charset="2"/>
               <a:buChar char="v"/>
@@ -7279,6 +7354,15 @@
             <a:r>
               <a:rPr lang="es-ES" dirty="0"/>
               <a:t>:</a:t>
+            </a:r>
+          </a:p>
+          <a:p>
+            <a:pPr marL="0" indent="0">
+              <a:buNone/>
+            </a:pPr>
+            <a:r>
+              <a:rPr lang="es-ES" dirty="0"/>
+              <a:t>		https://www.agroboca.com/login</a:t>
             </a:r>
           </a:p>
           <a:p>
@@ -7389,7 +7473,9 @@
         </p:nvSpPr>
         <p:spPr/>
         <p:txBody>
-          <a:bodyPr/>
+          <a:bodyPr>
+            <a:normAutofit fontScale="92500" lnSpcReduction="10000"/>
+          </a:bodyPr>
           <a:lstStyle/>
           <a:p>
             <a:r>
@@ -7399,6 +7485,15 @@
             <a:r>
               <a:rPr lang="es-ES" dirty="0"/>
               <a:t>:</a:t>
+            </a:r>
+          </a:p>
+          <a:p>
+            <a:pPr marL="0" indent="0">
+              <a:buNone/>
+            </a:pPr>
+            <a:r>
+              <a:rPr lang="es-ES" dirty="0"/>
+              <a:t>		</a:t>
             </a:r>
           </a:p>
           <a:p>
@@ -7422,6 +7517,15 @@
             </a:r>
           </a:p>
           <a:p>
+            <a:pPr marL="0" indent="0">
+              <a:buNone/>
+            </a:pPr>
+            <a:r>
+              <a:rPr lang="es-ES" dirty="0"/>
+              <a:t>		https://www.agroboca.com/contacto</a:t>
+            </a:r>
+          </a:p>
+          <a:p>
             <a:pPr lvl="1">
               <a:buFont typeface="Wingdings" panose="05000000000000000000" pitchFamily="2" charset="2"/>
               <a:buChar char="v"/>
@@ -7440,6 +7544,16 @@
               <a:rPr lang="es-ES" dirty="0"/>
               <a:t>:</a:t>
             </a:r>
+          </a:p>
+          <a:p>
+            <a:pPr marL="0" indent="0">
+              <a:buNone/>
+            </a:pPr>
+            <a:r>
+              <a:rPr lang="es-ES"/>
+              <a:t>		https://www.verdurasdenavarra.com/contacto-1/</a:t>
+            </a:r>
+            <a:endParaRPr lang="es-ES" dirty="0"/>
           </a:p>
           <a:p>
             <a:pPr lvl="1">

--- a/Ejercicio de prototipado y comparación de webs.pptx
+++ b/Ejercicio de prototipado y comparación de webs.pptx
@@ -16,6 +16,8 @@
     <p:sldId id="263" r:id="rId10"/>
     <p:sldId id="265" r:id="rId11"/>
     <p:sldId id="266" r:id="rId12"/>
+    <p:sldId id="268" r:id="rId13"/>
+    <p:sldId id="267" r:id="rId14"/>
   </p:sldIdLst>
   <p:sldSz cx="12192000" cy="6858000"/>
   <p:notesSz cx="6858000" cy="9144000"/>
@@ -308,7 +310,7 @@
           <a:p>
             <a:fld id="{10BD1069-08E6-4FE7-AE99-4C0919D642AB}" type="datetimeFigureOut">
               <a:rPr lang="es-ES" smtClean="0"/>
-              <a:t>28/09/2021</a:t>
+              <a:t>05/10/2021</a:t>
             </a:fld>
             <a:endParaRPr lang="es-ES"/>
           </a:p>
@@ -583,7 +585,7 @@
           <a:p>
             <a:fld id="{10BD1069-08E6-4FE7-AE99-4C0919D642AB}" type="datetimeFigureOut">
               <a:rPr lang="es-ES" smtClean="0"/>
-              <a:t>28/09/2021</a:t>
+              <a:t>05/10/2021</a:t>
             </a:fld>
             <a:endParaRPr lang="es-ES"/>
           </a:p>
@@ -777,7 +779,7 @@
           <a:p>
             <a:fld id="{10BD1069-08E6-4FE7-AE99-4C0919D642AB}" type="datetimeFigureOut">
               <a:rPr lang="es-ES" smtClean="0"/>
-              <a:t>28/09/2021</a:t>
+              <a:t>05/10/2021</a:t>
             </a:fld>
             <a:endParaRPr lang="es-ES"/>
           </a:p>
@@ -1050,7 +1052,7 @@
           <a:p>
             <a:fld id="{10BD1069-08E6-4FE7-AE99-4C0919D642AB}" type="datetimeFigureOut">
               <a:rPr lang="es-ES" smtClean="0"/>
-              <a:t>28/09/2021</a:t>
+              <a:t>05/10/2021</a:t>
             </a:fld>
             <a:endParaRPr lang="es-ES"/>
           </a:p>
@@ -1391,7 +1393,7 @@
           <a:p>
             <a:fld id="{10BD1069-08E6-4FE7-AE99-4C0919D642AB}" type="datetimeFigureOut">
               <a:rPr lang="es-ES" smtClean="0"/>
-              <a:t>28/09/2021</a:t>
+              <a:t>05/10/2021</a:t>
             </a:fld>
             <a:endParaRPr lang="es-ES"/>
           </a:p>
@@ -2014,7 +2016,7 @@
           <a:p>
             <a:fld id="{10BD1069-08E6-4FE7-AE99-4C0919D642AB}" type="datetimeFigureOut">
               <a:rPr lang="es-ES" smtClean="0"/>
-              <a:t>28/09/2021</a:t>
+              <a:t>05/10/2021</a:t>
             </a:fld>
             <a:endParaRPr lang="es-ES"/>
           </a:p>
@@ -2874,7 +2876,7 @@
           <a:p>
             <a:fld id="{10BD1069-08E6-4FE7-AE99-4C0919D642AB}" type="datetimeFigureOut">
               <a:rPr lang="es-ES" smtClean="0"/>
-              <a:t>28/09/2021</a:t>
+              <a:t>05/10/2021</a:t>
             </a:fld>
             <a:endParaRPr lang="es-ES"/>
           </a:p>
@@ -3044,7 +3046,7 @@
           <a:p>
             <a:fld id="{10BD1069-08E6-4FE7-AE99-4C0919D642AB}" type="datetimeFigureOut">
               <a:rPr lang="es-ES" smtClean="0"/>
-              <a:t>28/09/2021</a:t>
+              <a:t>05/10/2021</a:t>
             </a:fld>
             <a:endParaRPr lang="es-ES"/>
           </a:p>
@@ -3224,7 +3226,7 @@
           <a:p>
             <a:fld id="{10BD1069-08E6-4FE7-AE99-4C0919D642AB}" type="datetimeFigureOut">
               <a:rPr lang="es-ES" smtClean="0"/>
-              <a:t>28/09/2021</a:t>
+              <a:t>05/10/2021</a:t>
             </a:fld>
             <a:endParaRPr lang="es-ES"/>
           </a:p>
@@ -3394,7 +3396,7 @@
           <a:p>
             <a:fld id="{10BD1069-08E6-4FE7-AE99-4C0919D642AB}" type="datetimeFigureOut">
               <a:rPr lang="es-ES" smtClean="0"/>
-              <a:t>28/09/2021</a:t>
+              <a:t>05/10/2021</a:t>
             </a:fld>
             <a:endParaRPr lang="es-ES"/>
           </a:p>
@@ -3641,7 +3643,7 @@
           <a:p>
             <a:fld id="{10BD1069-08E6-4FE7-AE99-4C0919D642AB}" type="datetimeFigureOut">
               <a:rPr lang="es-ES" smtClean="0"/>
-              <a:t>28/09/2021</a:t>
+              <a:t>05/10/2021</a:t>
             </a:fld>
             <a:endParaRPr lang="es-ES"/>
           </a:p>
@@ -3933,7 +3935,7 @@
           <a:p>
             <a:fld id="{10BD1069-08E6-4FE7-AE99-4C0919D642AB}" type="datetimeFigureOut">
               <a:rPr lang="es-ES" smtClean="0"/>
-              <a:t>28/09/2021</a:t>
+              <a:t>05/10/2021</a:t>
             </a:fld>
             <a:endParaRPr lang="es-ES"/>
           </a:p>
@@ -4377,7 +4379,7 @@
           <a:p>
             <a:fld id="{10BD1069-08E6-4FE7-AE99-4C0919D642AB}" type="datetimeFigureOut">
               <a:rPr lang="es-ES" smtClean="0"/>
-              <a:t>28/09/2021</a:t>
+              <a:t>05/10/2021</a:t>
             </a:fld>
             <a:endParaRPr lang="es-ES"/>
           </a:p>
@@ -4495,7 +4497,7 @@
           <a:p>
             <a:fld id="{10BD1069-08E6-4FE7-AE99-4C0919D642AB}" type="datetimeFigureOut">
               <a:rPr lang="es-ES" smtClean="0"/>
-              <a:t>28/09/2021</a:t>
+              <a:t>05/10/2021</a:t>
             </a:fld>
             <a:endParaRPr lang="es-ES"/>
           </a:p>
@@ -4590,7 +4592,7 @@
           <a:p>
             <a:fld id="{10BD1069-08E6-4FE7-AE99-4C0919D642AB}" type="datetimeFigureOut">
               <a:rPr lang="es-ES" smtClean="0"/>
-              <a:t>28/09/2021</a:t>
+              <a:t>05/10/2021</a:t>
             </a:fld>
             <a:endParaRPr lang="es-ES"/>
           </a:p>
@@ -4869,7 +4871,7 @@
           <a:p>
             <a:fld id="{10BD1069-08E6-4FE7-AE99-4C0919D642AB}" type="datetimeFigureOut">
               <a:rPr lang="es-ES" smtClean="0"/>
-              <a:t>28/09/2021</a:t>
+              <a:t>05/10/2021</a:t>
             </a:fld>
             <a:endParaRPr lang="es-ES"/>
           </a:p>
@@ -5144,7 +5146,7 @@
           <a:p>
             <a:fld id="{10BD1069-08E6-4FE7-AE99-4C0919D642AB}" type="datetimeFigureOut">
               <a:rPr lang="es-ES" smtClean="0"/>
-              <a:t>28/09/2021</a:t>
+              <a:t>05/10/2021</a:t>
             </a:fld>
             <a:endParaRPr lang="es-ES"/>
           </a:p>
@@ -5573,7 +5575,7 @@
           <a:p>
             <a:fld id="{10BD1069-08E6-4FE7-AE99-4C0919D642AB}" type="datetimeFigureOut">
               <a:rPr lang="es-ES" smtClean="0"/>
-              <a:t>28/09/2021</a:t>
+              <a:t>05/10/2021</a:t>
             </a:fld>
             <a:endParaRPr lang="es-ES"/>
           </a:p>
@@ -6217,7 +6219,12 @@
             <p:ph type="title"/>
           </p:nvPr>
         </p:nvSpPr>
-        <p:spPr/>
+        <p:spPr>
+          <a:xfrm>
+            <a:off x="2910458" y="0"/>
+            <a:ext cx="9404723" cy="1400530"/>
+          </a:xfrm>
+        </p:spPr>
         <p:txBody>
           <a:bodyPr/>
           <a:lstStyle/>
@@ -6229,68 +6236,139 @@
           </a:p>
         </p:txBody>
       </p:sp>
-      <p:sp>
-        <p:nvSpPr>
-          <p:cNvPr id="3" name="Marcador de contenido 2">
+      <p:pic>
+        <p:nvPicPr>
+          <p:cNvPr id="4" name="Imagen 3">
             <a:extLst>
               <a:ext uri="{FF2B5EF4-FFF2-40B4-BE49-F238E27FC236}">
-                <a16:creationId xmlns:a16="http://schemas.microsoft.com/office/drawing/2014/main" id="{888C0629-CA4A-42E6-B660-F10E8EAE140F}"/>
+                <a16:creationId xmlns:a16="http://schemas.microsoft.com/office/drawing/2014/main" id="{DF83123A-E98A-4BE7-8C2C-1A86A7EBD5FC}"/>
               </a:ext>
             </a:extLst>
           </p:cNvPr>
-          <p:cNvSpPr>
-            <a:spLocks noGrp="1"/>
-          </p:cNvSpPr>
-          <p:nvPr>
-            <p:ph idx="1"/>
-          </p:nvPr>
-        </p:nvSpPr>
-        <p:spPr/>
-        <p:txBody>
-          <a:bodyPr/>
+          <p:cNvPicPr>
+            <a:picLocks noChangeAspect="1"/>
+          </p:cNvPicPr>
+          <p:nvPr/>
+        </p:nvPicPr>
+        <p:blipFill>
+          <a:blip r:embed="rId2"/>
+          <a:stretch>
+            <a:fillRect/>
+          </a:stretch>
+        </p:blipFill>
+        <p:spPr>
+          <a:xfrm>
+            <a:off x="360727" y="736553"/>
+            <a:ext cx="5226342" cy="5604179"/>
+          </a:xfrm>
+          <a:prstGeom prst="rect">
+            <a:avLst/>
+          </a:prstGeom>
+        </p:spPr>
+      </p:pic>
+      <p:sp>
+        <p:nvSpPr>
+          <p:cNvPr id="5" name="CuadroTexto 4">
+            <a:extLst>
+              <a:ext uri="{FF2B5EF4-FFF2-40B4-BE49-F238E27FC236}">
+                <a16:creationId xmlns:a16="http://schemas.microsoft.com/office/drawing/2014/main" id="{98985BF0-2ACE-4A49-861B-3D1809D76353}"/>
+              </a:ext>
+            </a:extLst>
+          </p:cNvPr>
+          <p:cNvSpPr txBox="1"/>
+          <p:nvPr/>
+        </p:nvSpPr>
+        <p:spPr>
+          <a:xfrm>
+            <a:off x="360726" y="6340732"/>
+            <a:ext cx="1996059" cy="369332"/>
+          </a:xfrm>
+          <a:prstGeom prst="rect">
+            <a:avLst/>
+          </a:prstGeom>
+          <a:noFill/>
+        </p:spPr>
+        <p:txBody>
+          <a:bodyPr wrap="none" rtlCol="0">
+            <a:spAutoFit/>
+          </a:bodyPr>
           <a:lstStyle/>
           <a:p>
             <a:r>
               <a:rPr lang="es-ES" dirty="0"/>
-              <a:t>Página de inicio:</a:t>
-            </a:r>
-          </a:p>
-          <a:p>
-            <a:pPr lvl="1">
-              <a:buFont typeface="Wingdings" panose="05000000000000000000" pitchFamily="2" charset="2"/>
-              <a:buChar char="v"/>
-            </a:pPr>
+              <a:t>Pagina de inicio</a:t>
+            </a:r>
+          </a:p>
+        </p:txBody>
+      </p:sp>
+      <p:sp>
+        <p:nvSpPr>
+          <p:cNvPr id="6" name="CuadroTexto 5">
+            <a:extLst>
+              <a:ext uri="{FF2B5EF4-FFF2-40B4-BE49-F238E27FC236}">
+                <a16:creationId xmlns:a16="http://schemas.microsoft.com/office/drawing/2014/main" id="{054D3BB0-AEFB-4C8F-84B0-388DF3219FD7}"/>
+              </a:ext>
+            </a:extLst>
+          </p:cNvPr>
+          <p:cNvSpPr txBox="1"/>
+          <p:nvPr/>
+        </p:nvSpPr>
+        <p:spPr>
+          <a:xfrm>
+            <a:off x="5821959" y="6340732"/>
+            <a:ext cx="2701381" cy="646331"/>
+          </a:xfrm>
+          <a:prstGeom prst="rect">
+            <a:avLst/>
+          </a:prstGeom>
+          <a:noFill/>
+        </p:spPr>
+        <p:txBody>
+          <a:bodyPr wrap="none" rtlCol="0">
+            <a:spAutoFit/>
+          </a:bodyPr>
+          <a:lstStyle/>
+          <a:p>
             <a:r>
               <a:rPr lang="es-ES" dirty="0"/>
-              <a:t>Mi página de inicio tendrá un menú en la parte superior de la pantalla, esté dispondrá de varios botones y un buscador, debajo se  verá un banner seguido de un espacio para anuncios. Mas abajo se podrán ver los productos populares y unas breves instrucciones de como comprar por si no sabes. En la parte inferior de la web estará la típica información de contacto, legal, sobre nosotros, </a:t>
-            </a:r>
-            <a:r>
-              <a:rPr lang="es-ES" dirty="0" err="1"/>
-              <a:t>etc</a:t>
-            </a:r>
-            <a:r>
-              <a:rPr lang="es-ES" dirty="0"/>
-              <a:t>…</a:t>
-            </a:r>
-          </a:p>
-          <a:p>
-            <a:r>
-              <a:rPr lang="es-ES" dirty="0"/>
-              <a:t>Página de primer nivel:</a:t>
-            </a:r>
-          </a:p>
-          <a:p>
-            <a:pPr lvl="1">
-              <a:buFont typeface="Wingdings" panose="05000000000000000000" pitchFamily="2" charset="2"/>
-              <a:buChar char="v"/>
-            </a:pPr>
-            <a:r>
-              <a:rPr lang="es-ES" dirty="0"/>
-              <a:t>Se mantiene como está el menú, el banner, los anuncios y el información del final, solo cambia el interior que ahí habrá un catalogo con los productos.</a:t>
-            </a:r>
-          </a:p>
-        </p:txBody>
-      </p:sp>
+              <a:t>Página de primer nivel</a:t>
+            </a:r>
+          </a:p>
+          <a:p>
+            <a:endParaRPr lang="es-ES" dirty="0"/>
+          </a:p>
+        </p:txBody>
+      </p:sp>
+      <p:pic>
+        <p:nvPicPr>
+          <p:cNvPr id="7" name="Imagen 6">
+            <a:extLst>
+              <a:ext uri="{FF2B5EF4-FFF2-40B4-BE49-F238E27FC236}">
+                <a16:creationId xmlns:a16="http://schemas.microsoft.com/office/drawing/2014/main" id="{39A00333-A7A2-4E8D-BF4B-AF164949B8DB}"/>
+              </a:ext>
+            </a:extLst>
+          </p:cNvPr>
+          <p:cNvPicPr>
+            <a:picLocks noChangeAspect="1"/>
+          </p:cNvPicPr>
+          <p:nvPr/>
+        </p:nvPicPr>
+        <p:blipFill>
+          <a:blip r:embed="rId3"/>
+          <a:stretch>
+            <a:fillRect/>
+          </a:stretch>
+        </p:blipFill>
+        <p:spPr>
+          <a:xfrm>
+            <a:off x="5706698" y="736552"/>
+            <a:ext cx="6124575" cy="5604179"/>
+          </a:xfrm>
+          <a:prstGeom prst="rect">
+            <a:avLst/>
+          </a:prstGeom>
+        </p:spPr>
+      </p:pic>
     </p:spTree>
     <p:extLst>
       <p:ext uri="{BB962C8B-B14F-4D97-AF65-F5344CB8AC3E}">
@@ -6337,7 +6415,12 @@
             <p:ph type="title"/>
           </p:nvPr>
         </p:nvSpPr>
-        <p:spPr/>
+        <p:spPr>
+          <a:xfrm>
+            <a:off x="3003418" y="-90664"/>
+            <a:ext cx="9404723" cy="1400530"/>
+          </a:xfrm>
+        </p:spPr>
         <p:txBody>
           <a:bodyPr/>
           <a:lstStyle/>
@@ -6349,76 +6432,134 @@
           </a:p>
         </p:txBody>
       </p:sp>
-      <p:sp>
-        <p:nvSpPr>
-          <p:cNvPr id="3" name="Marcador de contenido 2">
+      <p:pic>
+        <p:nvPicPr>
+          <p:cNvPr id="6" name="Marcador de contenido 5">
             <a:extLst>
               <a:ext uri="{FF2B5EF4-FFF2-40B4-BE49-F238E27FC236}">
-                <a16:creationId xmlns:a16="http://schemas.microsoft.com/office/drawing/2014/main" id="{4CC56766-557C-402F-8ED0-83EABA79E5A0}"/>
+                <a16:creationId xmlns:a16="http://schemas.microsoft.com/office/drawing/2014/main" id="{22C0403D-1935-4A99-B40B-185EADC0DAA6}"/>
               </a:ext>
             </a:extLst>
           </p:cNvPr>
-          <p:cNvSpPr>
-            <a:spLocks noGrp="1"/>
-          </p:cNvSpPr>
+          <p:cNvPicPr>
+            <a:picLocks noGrp="1" noChangeAspect="1"/>
+          </p:cNvPicPr>
           <p:nvPr>
             <p:ph idx="1"/>
           </p:nvPr>
-        </p:nvSpPr>
-        <p:spPr/>
-        <p:txBody>
-          <a:bodyPr>
-            <a:normAutofit fontScale="92500" lnSpcReduction="20000"/>
+        </p:nvPicPr>
+        <p:blipFill>
+          <a:blip r:embed="rId2"/>
+          <a:stretch>
+            <a:fillRect/>
+          </a:stretch>
+        </p:blipFill>
+        <p:spPr>
+          <a:xfrm>
+            <a:off x="5779481" y="1174458"/>
+            <a:ext cx="5536848" cy="5349159"/>
+          </a:xfrm>
+          <a:prstGeom prst="rect">
+            <a:avLst/>
+          </a:prstGeom>
+        </p:spPr>
+      </p:pic>
+      <p:pic>
+        <p:nvPicPr>
+          <p:cNvPr id="4" name="Imagen 3">
+            <a:extLst>
+              <a:ext uri="{FF2B5EF4-FFF2-40B4-BE49-F238E27FC236}">
+                <a16:creationId xmlns:a16="http://schemas.microsoft.com/office/drawing/2014/main" id="{C5992C24-4170-411C-B06C-EB34D2E3902D}"/>
+              </a:ext>
+            </a:extLst>
+          </p:cNvPr>
+          <p:cNvPicPr>
+            <a:picLocks noChangeAspect="1"/>
+          </p:cNvPicPr>
+          <p:nvPr/>
+        </p:nvPicPr>
+        <p:blipFill>
+          <a:blip r:embed="rId3"/>
+          <a:stretch>
+            <a:fillRect/>
+          </a:stretch>
+        </p:blipFill>
+        <p:spPr>
+          <a:xfrm>
+            <a:off x="151003" y="1174459"/>
+            <a:ext cx="5536848" cy="5366221"/>
+          </a:xfrm>
+          <a:prstGeom prst="rect">
+            <a:avLst/>
+          </a:prstGeom>
+        </p:spPr>
+      </p:pic>
+      <p:sp>
+        <p:nvSpPr>
+          <p:cNvPr id="5" name="CuadroTexto 4">
+            <a:extLst>
+              <a:ext uri="{FF2B5EF4-FFF2-40B4-BE49-F238E27FC236}">
+                <a16:creationId xmlns:a16="http://schemas.microsoft.com/office/drawing/2014/main" id="{DA359E8A-7F74-408B-A25C-22B4F675A5CE}"/>
+              </a:ext>
+            </a:extLst>
+          </p:cNvPr>
+          <p:cNvSpPr txBox="1"/>
+          <p:nvPr/>
+        </p:nvSpPr>
+        <p:spPr>
+          <a:xfrm>
+            <a:off x="151002" y="6443943"/>
+            <a:ext cx="2980303" cy="369332"/>
+          </a:xfrm>
+          <a:prstGeom prst="rect">
+            <a:avLst/>
+          </a:prstGeom>
+          <a:noFill/>
+        </p:spPr>
+        <p:txBody>
+          <a:bodyPr wrap="none" rtlCol="0">
+            <a:spAutoFit/>
           </a:bodyPr>
           <a:lstStyle/>
           <a:p>
             <a:r>
               <a:rPr lang="es-ES" dirty="0"/>
-              <a:t>Página de segundo nivel:</a:t>
-            </a:r>
-          </a:p>
-          <a:p>
-            <a:pPr lvl="1">
-              <a:buFont typeface="Wingdings" panose="05000000000000000000" pitchFamily="2" charset="2"/>
-              <a:buChar char="v"/>
-            </a:pPr>
+              <a:t>Pagina de segundo nivel</a:t>
+            </a:r>
+          </a:p>
+        </p:txBody>
+      </p:sp>
+      <p:sp>
+        <p:nvSpPr>
+          <p:cNvPr id="7" name="CuadroTexto 6">
+            <a:extLst>
+              <a:ext uri="{FF2B5EF4-FFF2-40B4-BE49-F238E27FC236}">
+                <a16:creationId xmlns:a16="http://schemas.microsoft.com/office/drawing/2014/main" id="{10ABDF62-33F8-4DC2-BF18-B689F68DC65E}"/>
+              </a:ext>
+            </a:extLst>
+          </p:cNvPr>
+          <p:cNvSpPr txBox="1"/>
+          <p:nvPr/>
+        </p:nvSpPr>
+        <p:spPr>
+          <a:xfrm>
+            <a:off x="5701399" y="6498450"/>
+            <a:ext cx="1064715" cy="369332"/>
+          </a:xfrm>
+          <a:prstGeom prst="rect">
+            <a:avLst/>
+          </a:prstGeom>
+          <a:noFill/>
+        </p:spPr>
+        <p:txBody>
+          <a:bodyPr wrap="none" rtlCol="0">
+            <a:spAutoFit/>
+          </a:bodyPr>
+          <a:lstStyle/>
+          <a:p>
             <a:r>
               <a:rPr lang="es-ES" dirty="0"/>
-              <a:t>Se conserva el menú, el banner y el final de la pagina el banner pero se eliminan los anuncios. Se podrá ver una imagen del producto, el nombre, descripción, precio y unos símbolos de mas o menos para añadir mas productos junto con un carrito para añadirlos.</a:t>
-            </a:r>
-          </a:p>
-          <a:p>
-            <a:pPr marL="400050"/>
-            <a:r>
-              <a:rPr lang="es-ES" dirty="0"/>
-              <a:t>Registro: </a:t>
-            </a:r>
-          </a:p>
-          <a:p>
-            <a:pPr marL="800100" lvl="1">
-              <a:buFont typeface="Wingdings" panose="05000000000000000000" pitchFamily="2" charset="2"/>
-              <a:buChar char="v"/>
-            </a:pPr>
-            <a:r>
-              <a:rPr lang="es-ES" dirty="0"/>
-              <a:t>Se conserva el menú, el banner y el final de la pagina el banner pero se eliminan los anuncios. Tendremos una imagen de bienvenida y al lado los campos que debemos rellenar para registrarnos junto con el botón de registro o inicio de sesión.</a:t>
-            </a:r>
-          </a:p>
-          <a:p>
-            <a:pPr marL="400050"/>
-            <a:r>
-              <a:rPr lang="es-ES" dirty="0"/>
-              <a:t>Contacto:</a:t>
-            </a:r>
-          </a:p>
-          <a:p>
-            <a:pPr marL="800100" lvl="1">
-              <a:buFont typeface="Wingdings" panose="05000000000000000000" pitchFamily="2" charset="2"/>
-              <a:buChar char="v"/>
-            </a:pPr>
-            <a:r>
-              <a:rPr lang="es-ES" dirty="0"/>
-              <a:t>Se conserva el menú, el banner y el final de la pagina el banner pero se eliminan los anuncios. Tendremos un formulario en el que deberemos rellenar los campos pedidos para junto con el mensaje que queremos enviar.</a:t>
+              <a:t>Registro</a:t>
             </a:r>
           </a:p>
         </p:txBody>
@@ -6427,6 +6568,220 @@
     <p:extLst>
       <p:ext uri="{BB962C8B-B14F-4D97-AF65-F5344CB8AC3E}">
         <p14:creationId xmlns:p14="http://schemas.microsoft.com/office/powerpoint/2010/main" val="3853798180"/>
+      </p:ext>
+    </p:extLst>
+  </p:cSld>
+  <p:clrMapOvr>
+    <a:masterClrMapping/>
+  </p:clrMapOvr>
+</p:sld>
+</file>
+
+<file path=ppt/slides/slide12.xml><?xml version="1.0" encoding="utf-8"?>
+<p:sld xmlns:a="http://schemas.openxmlformats.org/drawingml/2006/main" xmlns:r="http://schemas.openxmlformats.org/officeDocument/2006/relationships" xmlns:p="http://schemas.openxmlformats.org/presentationml/2006/main">
+  <p:cSld>
+    <p:spTree>
+      <p:nvGrpSpPr>
+        <p:cNvPr id="1" name=""/>
+        <p:cNvGrpSpPr/>
+        <p:nvPr/>
+      </p:nvGrpSpPr>
+      <p:grpSpPr>
+        <a:xfrm>
+          <a:off x="0" y="0"/>
+          <a:ext cx="0" cy="0"/>
+          <a:chOff x="0" y="0"/>
+          <a:chExt cx="0" cy="0"/>
+        </a:xfrm>
+      </p:grpSpPr>
+      <p:sp>
+        <p:nvSpPr>
+          <p:cNvPr id="2" name="Título 1">
+            <a:extLst>
+              <a:ext uri="{FF2B5EF4-FFF2-40B4-BE49-F238E27FC236}">
+                <a16:creationId xmlns:a16="http://schemas.microsoft.com/office/drawing/2014/main" id="{9D6A7CEE-6D9D-4CFB-8D2B-F5621695CC23}"/>
+              </a:ext>
+            </a:extLst>
+          </p:cNvPr>
+          <p:cNvSpPr>
+            <a:spLocks noGrp="1"/>
+          </p:cNvSpPr>
+          <p:nvPr>
+            <p:ph type="title"/>
+          </p:nvPr>
+        </p:nvSpPr>
+        <p:spPr>
+          <a:xfrm>
+            <a:off x="3255087" y="-90664"/>
+            <a:ext cx="9404723" cy="1400530"/>
+          </a:xfrm>
+        </p:spPr>
+        <p:txBody>
+          <a:bodyPr/>
+          <a:lstStyle/>
+          <a:p>
+            <a:r>
+              <a:rPr lang="es-ES" dirty="0"/>
+              <a:t>Mockup</a:t>
+            </a:r>
+          </a:p>
+        </p:txBody>
+      </p:sp>
+      <p:pic>
+        <p:nvPicPr>
+          <p:cNvPr id="4" name="Imagen 3">
+            <a:extLst>
+              <a:ext uri="{FF2B5EF4-FFF2-40B4-BE49-F238E27FC236}">
+                <a16:creationId xmlns:a16="http://schemas.microsoft.com/office/drawing/2014/main" id="{CC7BB039-D423-49E9-A7C7-15006FA99F92}"/>
+              </a:ext>
+            </a:extLst>
+          </p:cNvPr>
+          <p:cNvPicPr>
+            <a:picLocks noChangeAspect="1"/>
+          </p:cNvPicPr>
+          <p:nvPr/>
+        </p:nvPicPr>
+        <p:blipFill>
+          <a:blip r:embed="rId2"/>
+          <a:stretch>
+            <a:fillRect/>
+          </a:stretch>
+        </p:blipFill>
+        <p:spPr>
+          <a:xfrm>
+            <a:off x="266791" y="536896"/>
+            <a:ext cx="5346360" cy="5165127"/>
+          </a:xfrm>
+          <a:prstGeom prst="rect">
+            <a:avLst/>
+          </a:prstGeom>
+        </p:spPr>
+      </p:pic>
+      <p:sp>
+        <p:nvSpPr>
+          <p:cNvPr id="5" name="CuadroTexto 4">
+            <a:extLst>
+              <a:ext uri="{FF2B5EF4-FFF2-40B4-BE49-F238E27FC236}">
+                <a16:creationId xmlns:a16="http://schemas.microsoft.com/office/drawing/2014/main" id="{B8088215-40F4-43AD-9B6C-FBFD8858041F}"/>
+              </a:ext>
+            </a:extLst>
+          </p:cNvPr>
+          <p:cNvSpPr txBox="1"/>
+          <p:nvPr/>
+        </p:nvSpPr>
+        <p:spPr>
+          <a:xfrm>
+            <a:off x="266791" y="5702023"/>
+            <a:ext cx="1277914" cy="369332"/>
+          </a:xfrm>
+          <a:prstGeom prst="rect">
+            <a:avLst/>
+          </a:prstGeom>
+          <a:noFill/>
+        </p:spPr>
+        <p:txBody>
+          <a:bodyPr wrap="none" rtlCol="0">
+            <a:spAutoFit/>
+          </a:bodyPr>
+          <a:lstStyle/>
+          <a:p>
+            <a:r>
+              <a:rPr lang="es-ES" dirty="0"/>
+              <a:t>Contacto</a:t>
+            </a:r>
+          </a:p>
+        </p:txBody>
+      </p:sp>
+    </p:spTree>
+    <p:extLst>
+      <p:ext uri="{BB962C8B-B14F-4D97-AF65-F5344CB8AC3E}">
+        <p14:creationId xmlns:p14="http://schemas.microsoft.com/office/powerpoint/2010/main" val="3979142565"/>
+      </p:ext>
+    </p:extLst>
+  </p:cSld>
+  <p:clrMapOvr>
+    <a:masterClrMapping/>
+  </p:clrMapOvr>
+</p:sld>
+</file>
+
+<file path=ppt/slides/slide13.xml><?xml version="1.0" encoding="utf-8"?>
+<p:sld xmlns:a="http://schemas.openxmlformats.org/drawingml/2006/main" xmlns:r="http://schemas.openxmlformats.org/officeDocument/2006/relationships" xmlns:p="http://schemas.openxmlformats.org/presentationml/2006/main">
+  <p:cSld>
+    <p:spTree>
+      <p:nvGrpSpPr>
+        <p:cNvPr id="1" name=""/>
+        <p:cNvGrpSpPr/>
+        <p:nvPr/>
+      </p:nvGrpSpPr>
+      <p:grpSpPr>
+        <a:xfrm>
+          <a:off x="0" y="0"/>
+          <a:ext cx="0" cy="0"/>
+          <a:chOff x="0" y="0"/>
+          <a:chExt cx="0" cy="0"/>
+        </a:xfrm>
+      </p:grpSpPr>
+      <p:sp>
+        <p:nvSpPr>
+          <p:cNvPr id="2" name="Título 1">
+            <a:extLst>
+              <a:ext uri="{FF2B5EF4-FFF2-40B4-BE49-F238E27FC236}">
+                <a16:creationId xmlns:a16="http://schemas.microsoft.com/office/drawing/2014/main" id="{BCC6A2EB-06C6-4211-86E9-F3E6ED61058E}"/>
+              </a:ext>
+            </a:extLst>
+          </p:cNvPr>
+          <p:cNvSpPr>
+            <a:spLocks noGrp="1"/>
+          </p:cNvSpPr>
+          <p:nvPr>
+            <p:ph type="title"/>
+          </p:nvPr>
+        </p:nvSpPr>
+        <p:spPr/>
+        <p:txBody>
+          <a:bodyPr/>
+          <a:lstStyle/>
+          <a:p>
+            <a:r>
+              <a:rPr lang="es-ES" dirty="0"/>
+              <a:t>APLICAICON</a:t>
+            </a:r>
+          </a:p>
+        </p:txBody>
+      </p:sp>
+      <p:sp>
+        <p:nvSpPr>
+          <p:cNvPr id="3" name="Marcador de contenido 2">
+            <a:extLst>
+              <a:ext uri="{FF2B5EF4-FFF2-40B4-BE49-F238E27FC236}">
+                <a16:creationId xmlns:a16="http://schemas.microsoft.com/office/drawing/2014/main" id="{1EDA825E-9F39-4534-A894-80E69B567DD9}"/>
+              </a:ext>
+            </a:extLst>
+          </p:cNvPr>
+          <p:cNvSpPr>
+            <a:spLocks noGrp="1"/>
+          </p:cNvSpPr>
+          <p:nvPr>
+            <p:ph idx="1"/>
+          </p:nvPr>
+        </p:nvSpPr>
+        <p:spPr/>
+        <p:txBody>
+          <a:bodyPr/>
+          <a:lstStyle/>
+          <a:p>
+            <a:pPr marL="0" indent="0">
+              <a:buNone/>
+            </a:pPr>
+            <a:endParaRPr lang="es-ES" dirty="0"/>
+          </a:p>
+        </p:txBody>
+      </p:sp>
+    </p:spTree>
+    <p:extLst>
+      <p:ext uri="{BB962C8B-B14F-4D97-AF65-F5344CB8AC3E}">
+        <p14:creationId xmlns:p14="http://schemas.microsoft.com/office/powerpoint/2010/main" val="3302764139"/>
       </p:ext>
     </p:extLst>
   </p:cSld>
@@ -7550,10 +7905,9 @@
               <a:buNone/>
             </a:pPr>
             <a:r>
-              <a:rPr lang="es-ES"/>
+              <a:rPr lang="es-ES" dirty="0"/>
               <a:t>		https://www.verdurasdenavarra.com/contacto-1/</a:t>
             </a:r>
-            <a:endParaRPr lang="es-ES" dirty="0"/>
           </a:p>
           <a:p>
             <a:pPr lvl="1">
